--- a/snowflake_presentation/Snowflake_Presentation.pptx
+++ b/snowflake_presentation/Snowflake_Presentation.pptx
@@ -12900,7 +12900,7 @@
         <p:spPr>
           <a:xfrm>
             <a:off x="5161246" y="1874198"/>
-            <a:ext cx="6097712" cy="5786199"/>
+            <a:ext cx="6097712" cy="5670783"/>
           </a:xfrm>
           <a:prstGeom prst="rect">
             <a:avLst/>
@@ -12949,7 +12949,7 @@
             </a:pPr>
             <a:r>
               <a:rPr lang="en-US" dirty="0"/>
-              <a:t>Try advanced anomaly detection techniques particularly for time-series data</a:t>
+              <a:t>Try advanced anomaly detection techniques</a:t>
             </a:r>
           </a:p>
           <a:p>
@@ -12959,8 +12959,11 @@
             </a:pPr>
             <a:r>
               <a:rPr lang="en-US" dirty="0"/>
-              <a:t>Try an ensemble of methods: statistical, machine learning, and time-series </a:t>
+              <a:t>Try an ensemble of methods: statistical, machine learning, and time-series, perhaps even deep learning</a:t>
             </a:r>
+          </a:p>
+          <a:p>
+            <a:endParaRPr lang="en-US" dirty="0"/>
           </a:p>
           <a:p>
             <a:endParaRPr lang="en-US" dirty="0"/>

--- a/snowflake_presentation/Snowflake_Presentation.pptx
+++ b/snowflake_presentation/Snowflake_Presentation.pptx
@@ -5,7 +5,7 @@
     <p:sldMasterId id="2147483648" r:id="rId1"/>
   </p:sldMasterIdLst>
   <p:notesMasterIdLst>
-    <p:notesMasterId r:id="rId14"/>
+    <p:notesMasterId r:id="rId15"/>
   </p:notesMasterIdLst>
   <p:sldIdLst>
     <p:sldId id="271" r:id="rId2"/>
@@ -20,6 +20,7 @@
     <p:sldId id="272" r:id="rId11"/>
     <p:sldId id="274" r:id="rId12"/>
     <p:sldId id="265" r:id="rId13"/>
+    <p:sldId id="275" r:id="rId14"/>
   </p:sldIdLst>
   <p:sldSz cx="12192000" cy="6858000"/>
   <p:notesSz cx="6858000" cy="9144000"/>
@@ -14048,6 +14049,1114 @@
 </p:sld>
 </file>
 
+<file path=ppt/slides/slide13.xml><?xml version="1.0" encoding="utf-8"?>
+<p:sld xmlns:a="http://schemas.openxmlformats.org/drawingml/2006/main" xmlns:r="http://schemas.openxmlformats.org/officeDocument/2006/relationships" xmlns:p="http://schemas.openxmlformats.org/presentationml/2006/main">
+  <p:cSld>
+    <p:spTree>
+      <p:nvGrpSpPr>
+        <p:cNvPr id="1" name=""/>
+        <p:cNvGrpSpPr/>
+        <p:nvPr/>
+      </p:nvGrpSpPr>
+      <p:grpSpPr>
+        <a:xfrm>
+          <a:off x="0" y="0"/>
+          <a:ext cx="0" cy="0"/>
+          <a:chOff x="0" y="0"/>
+          <a:chExt cx="0" cy="0"/>
+        </a:xfrm>
+      </p:grpSpPr>
+      <p:sp>
+        <p:nvSpPr>
+          <p:cNvPr id="11" name="Title 1">
+            <a:extLst>
+              <a:ext uri="{FF2B5EF4-FFF2-40B4-BE49-F238E27FC236}">
+                <a16:creationId xmlns:a16="http://schemas.microsoft.com/office/drawing/2014/main" id="{5C505E54-F780-51AF-5DA1-CE1880287610}"/>
+              </a:ext>
+            </a:extLst>
+          </p:cNvPr>
+          <p:cNvSpPr txBox="1">
+            <a:spLocks/>
+          </p:cNvSpPr>
+          <p:nvPr/>
+        </p:nvSpPr>
+        <p:spPr>
+          <a:xfrm>
+            <a:off x="0" y="2"/>
+            <a:ext cx="12192000" cy="1325564"/>
+          </a:xfrm>
+          <a:prstGeom prst="rect">
+            <a:avLst/>
+          </a:prstGeom>
+          <a:solidFill>
+            <a:srgbClr val="00B0F0">
+              <a:alpha val="74845"/>
+            </a:srgbClr>
+          </a:solidFill>
+        </p:spPr>
+        <p:txBody>
+          <a:bodyPr vert="horz" lIns="91440" tIns="45720" rIns="91440" bIns="45720" rtlCol="0" anchor="ctr">
+            <a:normAutofit/>
+          </a:bodyPr>
+          <a:lstStyle>
+            <a:lvl1pPr algn="l" defTabSz="914400" rtl="0" eaLnBrk="1" latinLnBrk="0" hangingPunct="1">
+              <a:lnSpc>
+                <a:spcPct val="90000"/>
+              </a:lnSpc>
+              <a:spcBef>
+                <a:spcPct val="0"/>
+              </a:spcBef>
+              <a:buNone/>
+              <a:defRPr sz="4400" kern="1200">
+                <a:solidFill>
+                  <a:schemeClr val="tx1"/>
+                </a:solidFill>
+                <a:latin typeface="+mj-lt"/>
+                <a:ea typeface="+mj-ea"/>
+                <a:cs typeface="+mj-cs"/>
+              </a:defRPr>
+            </a:lvl1pPr>
+          </a:lstStyle>
+          <a:p>
+            <a:pPr marL="457200"/>
+            <a:r>
+              <a:rPr lang="en-US" sz="3600" b="1" dirty="0">
+                <a:solidFill>
+                  <a:schemeClr val="bg1"/>
+                </a:solidFill>
+              </a:rPr>
+              <a:t>Appendix: Mockup of data sources input/output</a:t>
+            </a:r>
+            <a:endParaRPr lang="en-US" sz="3600" dirty="0">
+              <a:ln>
+                <a:solidFill>
+                  <a:schemeClr val="bg1"/>
+                </a:solidFill>
+              </a:ln>
+              <a:solidFill>
+                <a:schemeClr val="bg1"/>
+              </a:solidFill>
+            </a:endParaRPr>
+          </a:p>
+        </p:txBody>
+      </p:sp>
+      <p:sp>
+        <p:nvSpPr>
+          <p:cNvPr id="2" name="Slide Number Placeholder 1">
+            <a:extLst>
+              <a:ext uri="{FF2B5EF4-FFF2-40B4-BE49-F238E27FC236}">
+                <a16:creationId xmlns:a16="http://schemas.microsoft.com/office/drawing/2014/main" id="{0C9D4993-C92A-2A48-DE94-A2433108E114}"/>
+              </a:ext>
+            </a:extLst>
+          </p:cNvPr>
+          <p:cNvSpPr>
+            <a:spLocks noGrp="1"/>
+          </p:cNvSpPr>
+          <p:nvPr>
+            <p:ph type="sldNum" sz="quarter" idx="12"/>
+          </p:nvPr>
+        </p:nvSpPr>
+        <p:spPr/>
+        <p:txBody>
+          <a:bodyPr/>
+          <a:lstStyle/>
+          <a:p>
+            <a:fld id="{905C7B87-2105-404F-B738-E5B2FB77EDDC}" type="slidenum">
+              <a:rPr lang="en-US" smtClean="0"/>
+              <a:t>13</a:t>
+            </a:fld>
+            <a:endParaRPr lang="en-US"/>
+          </a:p>
+        </p:txBody>
+      </p:sp>
+      <p:pic>
+        <p:nvPicPr>
+          <p:cNvPr id="5" name="Picture 4">
+            <a:extLst>
+              <a:ext uri="{FF2B5EF4-FFF2-40B4-BE49-F238E27FC236}">
+                <a16:creationId xmlns:a16="http://schemas.microsoft.com/office/drawing/2014/main" id="{AC8F01A1-0DEE-8B87-FAD8-FEA866923B04}"/>
+              </a:ext>
+            </a:extLst>
+          </p:cNvPr>
+          <p:cNvPicPr>
+            <a:picLocks noChangeAspect="1"/>
+          </p:cNvPicPr>
+          <p:nvPr/>
+        </p:nvPicPr>
+        <p:blipFill>
+          <a:blip r:embed="rId2"/>
+          <a:stretch>
+            <a:fillRect/>
+          </a:stretch>
+        </p:blipFill>
+        <p:spPr>
+          <a:xfrm>
+            <a:off x="1389286" y="1830313"/>
+            <a:ext cx="563803" cy="500721"/>
+          </a:xfrm>
+          <a:prstGeom prst="rect">
+            <a:avLst/>
+          </a:prstGeom>
+        </p:spPr>
+      </p:pic>
+      <p:pic>
+        <p:nvPicPr>
+          <p:cNvPr id="6" name="Picture 5">
+            <a:extLst>
+              <a:ext uri="{FF2B5EF4-FFF2-40B4-BE49-F238E27FC236}">
+                <a16:creationId xmlns:a16="http://schemas.microsoft.com/office/drawing/2014/main" id="{5B10FFC3-9603-F992-EAE1-108C7FE1EB67}"/>
+              </a:ext>
+            </a:extLst>
+          </p:cNvPr>
+          <p:cNvPicPr>
+            <a:picLocks noChangeAspect="1"/>
+          </p:cNvPicPr>
+          <p:nvPr/>
+        </p:nvPicPr>
+        <p:blipFill>
+          <a:blip r:embed="rId2"/>
+          <a:stretch>
+            <a:fillRect/>
+          </a:stretch>
+        </p:blipFill>
+        <p:spPr>
+          <a:xfrm>
+            <a:off x="1389285" y="2955117"/>
+            <a:ext cx="563803" cy="500721"/>
+          </a:xfrm>
+          <a:prstGeom prst="rect">
+            <a:avLst/>
+          </a:prstGeom>
+        </p:spPr>
+      </p:pic>
+      <p:pic>
+        <p:nvPicPr>
+          <p:cNvPr id="8" name="Picture 7">
+            <a:extLst>
+              <a:ext uri="{FF2B5EF4-FFF2-40B4-BE49-F238E27FC236}">
+                <a16:creationId xmlns:a16="http://schemas.microsoft.com/office/drawing/2014/main" id="{8D08846C-EAE5-9B90-928B-2DA1E5283834}"/>
+              </a:ext>
+            </a:extLst>
+          </p:cNvPr>
+          <p:cNvPicPr>
+            <a:picLocks noChangeAspect="1"/>
+          </p:cNvPicPr>
+          <p:nvPr/>
+        </p:nvPicPr>
+        <p:blipFill>
+          <a:blip r:embed="rId2"/>
+          <a:stretch>
+            <a:fillRect/>
+          </a:stretch>
+        </p:blipFill>
+        <p:spPr>
+          <a:xfrm>
+            <a:off x="1389286" y="2389770"/>
+            <a:ext cx="563803" cy="500721"/>
+          </a:xfrm>
+          <a:prstGeom prst="rect">
+            <a:avLst/>
+          </a:prstGeom>
+        </p:spPr>
+      </p:pic>
+      <p:pic>
+        <p:nvPicPr>
+          <p:cNvPr id="9" name="Picture 8">
+            <a:extLst>
+              <a:ext uri="{FF2B5EF4-FFF2-40B4-BE49-F238E27FC236}">
+                <a16:creationId xmlns:a16="http://schemas.microsoft.com/office/drawing/2014/main" id="{F24648D2-B57E-A455-D76B-B36814B575ED}"/>
+              </a:ext>
+            </a:extLst>
+          </p:cNvPr>
+          <p:cNvPicPr>
+            <a:picLocks noChangeAspect="1"/>
+          </p:cNvPicPr>
+          <p:nvPr/>
+        </p:nvPicPr>
+        <p:blipFill>
+          <a:blip r:embed="rId2"/>
+          <a:stretch>
+            <a:fillRect/>
+          </a:stretch>
+        </p:blipFill>
+        <p:spPr>
+          <a:xfrm>
+            <a:off x="1384514" y="3960584"/>
+            <a:ext cx="563803" cy="500721"/>
+          </a:xfrm>
+          <a:prstGeom prst="rect">
+            <a:avLst/>
+          </a:prstGeom>
+        </p:spPr>
+      </p:pic>
+      <p:pic>
+        <p:nvPicPr>
+          <p:cNvPr id="10" name="Picture 9">
+            <a:extLst>
+              <a:ext uri="{FF2B5EF4-FFF2-40B4-BE49-F238E27FC236}">
+                <a16:creationId xmlns:a16="http://schemas.microsoft.com/office/drawing/2014/main" id="{54456D6D-977C-DA56-35AF-E5D44207EFC8}"/>
+              </a:ext>
+            </a:extLst>
+          </p:cNvPr>
+          <p:cNvPicPr>
+            <a:picLocks noChangeAspect="1"/>
+          </p:cNvPicPr>
+          <p:nvPr/>
+        </p:nvPicPr>
+        <p:blipFill>
+          <a:blip r:embed="rId2"/>
+          <a:stretch>
+            <a:fillRect/>
+          </a:stretch>
+        </p:blipFill>
+        <p:spPr>
+          <a:xfrm>
+            <a:off x="1389284" y="4584667"/>
+            <a:ext cx="563803" cy="500721"/>
+          </a:xfrm>
+          <a:prstGeom prst="rect">
+            <a:avLst/>
+          </a:prstGeom>
+        </p:spPr>
+      </p:pic>
+      <p:pic>
+        <p:nvPicPr>
+          <p:cNvPr id="1026" name="Picture 2" descr="AWS Certification Cost and Type of AWS Certification Exam - Tech Guide">
+            <a:extLst>
+              <a:ext uri="{FF2B5EF4-FFF2-40B4-BE49-F238E27FC236}">
+                <a16:creationId xmlns:a16="http://schemas.microsoft.com/office/drawing/2014/main" id="{AC3D24AA-3FFF-737C-21BD-CBDD8C12A7C6}"/>
+              </a:ext>
+            </a:extLst>
+          </p:cNvPr>
+          <p:cNvPicPr>
+            <a:picLocks noChangeAspect="1" noChangeArrowheads="1"/>
+          </p:cNvPicPr>
+          <p:nvPr/>
+        </p:nvPicPr>
+        <p:blipFill>
+          <a:blip r:embed="rId3">
+            <a:extLst>
+              <a:ext uri="{28A0092B-C50C-407E-A947-70E740481C1C}">
+                <a14:useLocalDpi xmlns:a14="http://schemas.microsoft.com/office/drawing/2010/main" val="0"/>
+              </a:ext>
+            </a:extLst>
+          </a:blip>
+          <a:srcRect/>
+          <a:stretch>
+            <a:fillRect/>
+          </a:stretch>
+        </p:blipFill>
+        <p:spPr bwMode="auto">
+          <a:xfrm>
+            <a:off x="15924" y="2164782"/>
+            <a:ext cx="1224897" cy="725709"/>
+          </a:xfrm>
+          <a:prstGeom prst="rect">
+            <a:avLst/>
+          </a:prstGeom>
+          <a:noFill/>
+          <a:extLst>
+            <a:ext uri="{909E8E84-426E-40DD-AFC4-6F175D3DCCD1}">
+              <a14:hiddenFill xmlns:a14="http://schemas.microsoft.com/office/drawing/2010/main">
+                <a:solidFill>
+                  <a:srgbClr val="FFFFFF"/>
+                </a:solidFill>
+              </a14:hiddenFill>
+            </a:ext>
+          </a:extLst>
+        </p:spPr>
+      </p:pic>
+      <p:sp>
+        <p:nvSpPr>
+          <p:cNvPr id="12" name="Left Brace 11">
+            <a:extLst>
+              <a:ext uri="{FF2B5EF4-FFF2-40B4-BE49-F238E27FC236}">
+                <a16:creationId xmlns:a16="http://schemas.microsoft.com/office/drawing/2014/main" id="{B9ED542E-73C1-3862-0737-640F80FBBAF1}"/>
+              </a:ext>
+            </a:extLst>
+          </p:cNvPr>
+          <p:cNvSpPr/>
+          <p:nvPr/>
+        </p:nvSpPr>
+        <p:spPr>
+          <a:xfrm>
+            <a:off x="1079787" y="2080673"/>
+            <a:ext cx="365371" cy="1124804"/>
+          </a:xfrm>
+          <a:prstGeom prst="leftBrace">
+            <a:avLst/>
+          </a:prstGeom>
+        </p:spPr>
+        <p:style>
+          <a:lnRef idx="1">
+            <a:schemeClr val="accent1"/>
+          </a:lnRef>
+          <a:fillRef idx="0">
+            <a:schemeClr val="accent1"/>
+          </a:fillRef>
+          <a:effectRef idx="0">
+            <a:schemeClr val="accent1"/>
+          </a:effectRef>
+          <a:fontRef idx="minor">
+            <a:schemeClr val="tx1"/>
+          </a:fontRef>
+        </p:style>
+        <p:txBody>
+          <a:bodyPr rtlCol="0" anchor="ctr"/>
+          <a:lstStyle/>
+          <a:p>
+            <a:pPr algn="ctr"/>
+            <a:endParaRPr lang="en-US"/>
+          </a:p>
+        </p:txBody>
+      </p:sp>
+      <p:pic>
+        <p:nvPicPr>
+          <p:cNvPr id="1030" name="Picture 6" descr="What is MySQL? - MySQL Relational Databases Explained - AWS">
+            <a:extLst>
+              <a:ext uri="{FF2B5EF4-FFF2-40B4-BE49-F238E27FC236}">
+                <a16:creationId xmlns:a16="http://schemas.microsoft.com/office/drawing/2014/main" id="{D7B42101-DC7F-E582-9C0B-DF3D1C479FA8}"/>
+              </a:ext>
+            </a:extLst>
+          </p:cNvPr>
+          <p:cNvPicPr>
+            <a:picLocks noChangeAspect="1" noChangeArrowheads="1"/>
+          </p:cNvPicPr>
+          <p:nvPr/>
+        </p:nvPicPr>
+        <p:blipFill>
+          <a:blip r:embed="rId4">
+            <a:extLst>
+              <a:ext uri="{28A0092B-C50C-407E-A947-70E740481C1C}">
+                <a14:useLocalDpi xmlns:a14="http://schemas.microsoft.com/office/drawing/2010/main" val="0"/>
+              </a:ext>
+            </a:extLst>
+          </a:blip>
+          <a:srcRect/>
+          <a:stretch>
+            <a:fillRect/>
+          </a:stretch>
+        </p:blipFill>
+        <p:spPr bwMode="auto">
+          <a:xfrm>
+            <a:off x="90893" y="4198663"/>
+            <a:ext cx="1108832" cy="572186"/>
+          </a:xfrm>
+          <a:prstGeom prst="rect">
+            <a:avLst/>
+          </a:prstGeom>
+          <a:noFill/>
+          <a:extLst>
+            <a:ext uri="{909E8E84-426E-40DD-AFC4-6F175D3DCCD1}">
+              <a14:hiddenFill xmlns:a14="http://schemas.microsoft.com/office/drawing/2010/main">
+                <a:solidFill>
+                  <a:srgbClr val="FFFFFF"/>
+                </a:solidFill>
+              </a14:hiddenFill>
+            </a:ext>
+          </a:extLst>
+        </p:spPr>
+      </p:pic>
+      <p:sp>
+        <p:nvSpPr>
+          <p:cNvPr id="13" name="Left Brace 12">
+            <a:extLst>
+              <a:ext uri="{FF2B5EF4-FFF2-40B4-BE49-F238E27FC236}">
+                <a16:creationId xmlns:a16="http://schemas.microsoft.com/office/drawing/2014/main" id="{C28C59E7-3E7E-9AEE-6CDB-01D30C819F0E}"/>
+              </a:ext>
+            </a:extLst>
+          </p:cNvPr>
+          <p:cNvSpPr/>
+          <p:nvPr/>
+        </p:nvSpPr>
+        <p:spPr>
+          <a:xfrm>
+            <a:off x="1099231" y="4188492"/>
+            <a:ext cx="365371" cy="1270619"/>
+          </a:xfrm>
+          <a:prstGeom prst="leftBrace">
+            <a:avLst/>
+          </a:prstGeom>
+        </p:spPr>
+        <p:style>
+          <a:lnRef idx="1">
+            <a:schemeClr val="accent1"/>
+          </a:lnRef>
+          <a:fillRef idx="0">
+            <a:schemeClr val="accent1"/>
+          </a:fillRef>
+          <a:effectRef idx="0">
+            <a:schemeClr val="accent1"/>
+          </a:effectRef>
+          <a:fontRef idx="minor">
+            <a:schemeClr val="tx1"/>
+          </a:fontRef>
+        </p:style>
+        <p:txBody>
+          <a:bodyPr rtlCol="0" anchor="ctr"/>
+          <a:lstStyle/>
+          <a:p>
+            <a:pPr algn="ctr"/>
+            <a:endParaRPr lang="en-US"/>
+          </a:p>
+        </p:txBody>
+      </p:sp>
+      <p:sp>
+        <p:nvSpPr>
+          <p:cNvPr id="14" name="TextBox 13">
+            <a:extLst>
+              <a:ext uri="{FF2B5EF4-FFF2-40B4-BE49-F238E27FC236}">
+                <a16:creationId xmlns:a16="http://schemas.microsoft.com/office/drawing/2014/main" id="{D974F314-C024-6958-0FFB-9F7978D3F2D0}"/>
+              </a:ext>
+            </a:extLst>
+          </p:cNvPr>
+          <p:cNvSpPr txBox="1"/>
+          <p:nvPr/>
+        </p:nvSpPr>
+        <p:spPr>
+          <a:xfrm>
+            <a:off x="2116476" y="1952090"/>
+            <a:ext cx="2186240" cy="369332"/>
+          </a:xfrm>
+          <a:prstGeom prst="rect">
+            <a:avLst/>
+          </a:prstGeom>
+          <a:noFill/>
+        </p:spPr>
+        <p:txBody>
+          <a:bodyPr wrap="none" rtlCol="0">
+            <a:spAutoFit/>
+          </a:bodyPr>
+          <a:lstStyle/>
+          <a:p>
+            <a:r>
+              <a:rPr lang="en-US" dirty="0"/>
+              <a:t>3 day energy forecast</a:t>
+            </a:r>
+          </a:p>
+        </p:txBody>
+      </p:sp>
+      <p:sp>
+        <p:nvSpPr>
+          <p:cNvPr id="15" name="TextBox 14">
+            <a:extLst>
+              <a:ext uri="{FF2B5EF4-FFF2-40B4-BE49-F238E27FC236}">
+                <a16:creationId xmlns:a16="http://schemas.microsoft.com/office/drawing/2014/main" id="{20EF5385-D307-5197-1E2B-9E5EC947768A}"/>
+              </a:ext>
+            </a:extLst>
+          </p:cNvPr>
+          <p:cNvSpPr txBox="1"/>
+          <p:nvPr/>
+        </p:nvSpPr>
+        <p:spPr>
+          <a:xfrm>
+            <a:off x="2116475" y="2444562"/>
+            <a:ext cx="2303259" cy="369332"/>
+          </a:xfrm>
+          <a:prstGeom prst="rect">
+            <a:avLst/>
+          </a:prstGeom>
+          <a:noFill/>
+        </p:spPr>
+        <p:txBody>
+          <a:bodyPr wrap="none" rtlCol="0">
+            <a:spAutoFit/>
+          </a:bodyPr>
+          <a:lstStyle/>
+          <a:p>
+            <a:r>
+              <a:rPr lang="en-US" dirty="0"/>
+              <a:t>10 day energy forecast</a:t>
+            </a:r>
+          </a:p>
+        </p:txBody>
+      </p:sp>
+      <p:sp>
+        <p:nvSpPr>
+          <p:cNvPr id="16" name="TextBox 15">
+            <a:extLst>
+              <a:ext uri="{FF2B5EF4-FFF2-40B4-BE49-F238E27FC236}">
+                <a16:creationId xmlns:a16="http://schemas.microsoft.com/office/drawing/2014/main" id="{8CCB894B-74EC-C629-A0D1-9824029D2696}"/>
+              </a:ext>
+            </a:extLst>
+          </p:cNvPr>
+          <p:cNvSpPr txBox="1"/>
+          <p:nvPr/>
+        </p:nvSpPr>
+        <p:spPr>
+          <a:xfrm>
+            <a:off x="2116475" y="3081988"/>
+            <a:ext cx="2097305" cy="369332"/>
+          </a:xfrm>
+          <a:prstGeom prst="rect">
+            <a:avLst/>
+          </a:prstGeom>
+          <a:noFill/>
+        </p:spPr>
+        <p:txBody>
+          <a:bodyPr wrap="none" rtlCol="0">
+            <a:spAutoFit/>
+          </a:bodyPr>
+          <a:lstStyle/>
+          <a:p>
+            <a:r>
+              <a:rPr lang="en-US" dirty="0"/>
+              <a:t>50 day energy usage</a:t>
+            </a:r>
+          </a:p>
+        </p:txBody>
+      </p:sp>
+      <p:sp>
+        <p:nvSpPr>
+          <p:cNvPr id="17" name="TextBox 16">
+            <a:extLst>
+              <a:ext uri="{FF2B5EF4-FFF2-40B4-BE49-F238E27FC236}">
+                <a16:creationId xmlns:a16="http://schemas.microsoft.com/office/drawing/2014/main" id="{6A01F403-E193-6AD1-2B6D-00A516FF558A}"/>
+              </a:ext>
+            </a:extLst>
+          </p:cNvPr>
+          <p:cNvSpPr txBox="1"/>
+          <p:nvPr/>
+        </p:nvSpPr>
+        <p:spPr>
+          <a:xfrm>
+            <a:off x="2116474" y="4044107"/>
+            <a:ext cx="1467581" cy="369332"/>
+          </a:xfrm>
+          <a:prstGeom prst="rect">
+            <a:avLst/>
+          </a:prstGeom>
+          <a:noFill/>
+        </p:spPr>
+        <p:txBody>
+          <a:bodyPr wrap="none" rtlCol="0">
+            <a:spAutoFit/>
+          </a:bodyPr>
+          <a:lstStyle/>
+          <a:p>
+            <a:r>
+              <a:rPr lang="en-US" dirty="0"/>
+              <a:t>Weather data</a:t>
+            </a:r>
+          </a:p>
+        </p:txBody>
+      </p:sp>
+      <p:sp>
+        <p:nvSpPr>
+          <p:cNvPr id="18" name="TextBox 17">
+            <a:extLst>
+              <a:ext uri="{FF2B5EF4-FFF2-40B4-BE49-F238E27FC236}">
+                <a16:creationId xmlns:a16="http://schemas.microsoft.com/office/drawing/2014/main" id="{552C1DB6-5BA0-4D1A-DE7B-8FDABF62CCA2}"/>
+              </a:ext>
+            </a:extLst>
+          </p:cNvPr>
+          <p:cNvSpPr txBox="1"/>
+          <p:nvPr/>
+        </p:nvSpPr>
+        <p:spPr>
+          <a:xfrm>
+            <a:off x="2137021" y="4670631"/>
+            <a:ext cx="3287375" cy="369332"/>
+          </a:xfrm>
+          <a:prstGeom prst="rect">
+            <a:avLst/>
+          </a:prstGeom>
+          <a:noFill/>
+        </p:spPr>
+        <p:txBody>
+          <a:bodyPr wrap="none" rtlCol="0">
+            <a:spAutoFit/>
+          </a:bodyPr>
+          <a:lstStyle/>
+          <a:p>
+            <a:r>
+              <a:rPr lang="en-US" dirty="0"/>
+              <a:t>Zane DB of Historical calculations</a:t>
+            </a:r>
+          </a:p>
+        </p:txBody>
+      </p:sp>
+      <p:pic>
+        <p:nvPicPr>
+          <p:cNvPr id="19" name="Picture 18">
+            <a:extLst>
+              <a:ext uri="{FF2B5EF4-FFF2-40B4-BE49-F238E27FC236}">
+                <a16:creationId xmlns:a16="http://schemas.microsoft.com/office/drawing/2014/main" id="{5A1B1C8D-A910-CDB4-E7A9-42D2C5285E34}"/>
+              </a:ext>
+            </a:extLst>
+          </p:cNvPr>
+          <p:cNvPicPr>
+            <a:picLocks noChangeAspect="1"/>
+          </p:cNvPicPr>
+          <p:nvPr/>
+        </p:nvPicPr>
+        <p:blipFill>
+          <a:blip r:embed="rId5"/>
+          <a:stretch>
+            <a:fillRect/>
+          </a:stretch>
+        </p:blipFill>
+        <p:spPr>
+          <a:xfrm>
+            <a:off x="7332198" y="1545201"/>
+            <a:ext cx="2097305" cy="1606928"/>
+          </a:xfrm>
+          <a:prstGeom prst="rect">
+            <a:avLst/>
+          </a:prstGeom>
+        </p:spPr>
+      </p:pic>
+      <p:cxnSp>
+        <p:nvCxnSpPr>
+          <p:cNvPr id="21" name="Straight Arrow Connector 20">
+            <a:extLst>
+              <a:ext uri="{FF2B5EF4-FFF2-40B4-BE49-F238E27FC236}">
+                <a16:creationId xmlns:a16="http://schemas.microsoft.com/office/drawing/2014/main" id="{60FC9A9E-7840-A432-7666-8D339323A39D}"/>
+              </a:ext>
+            </a:extLst>
+          </p:cNvPr>
+          <p:cNvCxnSpPr/>
+          <p:nvPr/>
+        </p:nvCxnSpPr>
+        <p:spPr>
+          <a:xfrm>
+            <a:off x="4583120" y="2629228"/>
+            <a:ext cx="1324520" cy="0"/>
+          </a:xfrm>
+          <a:prstGeom prst="straightConnector1">
+            <a:avLst/>
+          </a:prstGeom>
+          <a:ln>
+            <a:tailEnd type="triangle"/>
+          </a:ln>
+        </p:spPr>
+        <p:style>
+          <a:lnRef idx="1">
+            <a:schemeClr val="accent1"/>
+          </a:lnRef>
+          <a:fillRef idx="0">
+            <a:schemeClr val="accent1"/>
+          </a:fillRef>
+          <a:effectRef idx="0">
+            <a:schemeClr val="accent1"/>
+          </a:effectRef>
+          <a:fontRef idx="minor">
+            <a:schemeClr val="tx1"/>
+          </a:fontRef>
+        </p:style>
+      </p:cxnSp>
+      <p:cxnSp>
+        <p:nvCxnSpPr>
+          <p:cNvPr id="22" name="Straight Arrow Connector 21">
+            <a:extLst>
+              <a:ext uri="{FF2B5EF4-FFF2-40B4-BE49-F238E27FC236}">
+                <a16:creationId xmlns:a16="http://schemas.microsoft.com/office/drawing/2014/main" id="{B9BA0CC5-757A-7557-3C35-2972FE93380B}"/>
+              </a:ext>
+            </a:extLst>
+          </p:cNvPr>
+          <p:cNvCxnSpPr>
+            <a:cxnSpLocks/>
+          </p:cNvCxnSpPr>
+          <p:nvPr/>
+        </p:nvCxnSpPr>
+        <p:spPr>
+          <a:xfrm flipV="1">
+            <a:off x="4858809" y="3429000"/>
+            <a:ext cx="1387879" cy="759492"/>
+          </a:xfrm>
+          <a:prstGeom prst="straightConnector1">
+            <a:avLst/>
+          </a:prstGeom>
+          <a:ln>
+            <a:tailEnd type="triangle"/>
+          </a:ln>
+        </p:spPr>
+        <p:style>
+          <a:lnRef idx="1">
+            <a:schemeClr val="accent1"/>
+          </a:lnRef>
+          <a:fillRef idx="0">
+            <a:schemeClr val="accent1"/>
+          </a:fillRef>
+          <a:effectRef idx="0">
+            <a:schemeClr val="accent1"/>
+          </a:effectRef>
+          <a:fontRef idx="minor">
+            <a:schemeClr val="tx1"/>
+          </a:fontRef>
+        </p:style>
+      </p:cxnSp>
+      <p:pic>
+        <p:nvPicPr>
+          <p:cNvPr id="24" name="Picture 23">
+            <a:extLst>
+              <a:ext uri="{FF2B5EF4-FFF2-40B4-BE49-F238E27FC236}">
+                <a16:creationId xmlns:a16="http://schemas.microsoft.com/office/drawing/2014/main" id="{10C4EDD0-1474-CA47-743F-1212AED2E480}"/>
+              </a:ext>
+            </a:extLst>
+          </p:cNvPr>
+          <p:cNvPicPr>
+            <a:picLocks noChangeAspect="1"/>
+          </p:cNvPicPr>
+          <p:nvPr/>
+        </p:nvPicPr>
+        <p:blipFill>
+          <a:blip r:embed="rId2"/>
+          <a:stretch>
+            <a:fillRect/>
+          </a:stretch>
+        </p:blipFill>
+        <p:spPr>
+          <a:xfrm>
+            <a:off x="1384513" y="5208750"/>
+            <a:ext cx="563803" cy="500721"/>
+          </a:xfrm>
+          <a:prstGeom prst="rect">
+            <a:avLst/>
+          </a:prstGeom>
+        </p:spPr>
+      </p:pic>
+      <p:sp>
+        <p:nvSpPr>
+          <p:cNvPr id="25" name="TextBox 24">
+            <a:extLst>
+              <a:ext uri="{FF2B5EF4-FFF2-40B4-BE49-F238E27FC236}">
+                <a16:creationId xmlns:a16="http://schemas.microsoft.com/office/drawing/2014/main" id="{33C37436-65EF-9FC2-41BC-FD89C10A42E5}"/>
+              </a:ext>
+            </a:extLst>
+          </p:cNvPr>
+          <p:cNvSpPr txBox="1"/>
+          <p:nvPr/>
+        </p:nvSpPr>
+        <p:spPr>
+          <a:xfrm>
+            <a:off x="2137021" y="5274444"/>
+            <a:ext cx="3287375" cy="369332"/>
+          </a:xfrm>
+          <a:prstGeom prst="rect">
+            <a:avLst/>
+          </a:prstGeom>
+          <a:noFill/>
+        </p:spPr>
+        <p:txBody>
+          <a:bodyPr wrap="none" rtlCol="0">
+            <a:spAutoFit/>
+          </a:bodyPr>
+          <a:lstStyle/>
+          <a:p>
+            <a:r>
+              <a:rPr lang="en-US" dirty="0"/>
+              <a:t>Zane DB of Historical calculations</a:t>
+            </a:r>
+          </a:p>
+        </p:txBody>
+      </p:sp>
+      <p:pic>
+        <p:nvPicPr>
+          <p:cNvPr id="28" name="Picture 10" descr="Project Jupyter | JupyterHub">
+            <a:extLst>
+              <a:ext uri="{FF2B5EF4-FFF2-40B4-BE49-F238E27FC236}">
+                <a16:creationId xmlns:a16="http://schemas.microsoft.com/office/drawing/2014/main" id="{B24D34C2-2AEF-A833-C886-14387364F7DC}"/>
+              </a:ext>
+            </a:extLst>
+          </p:cNvPr>
+          <p:cNvPicPr>
+            <a:picLocks noChangeAspect="1" noChangeArrowheads="1"/>
+          </p:cNvPicPr>
+          <p:nvPr/>
+        </p:nvPicPr>
+        <p:blipFill rotWithShape="1">
+          <a:blip r:embed="rId6">
+            <a:extLst>
+              <a:ext uri="{28A0092B-C50C-407E-A947-70E740481C1C}">
+                <a14:useLocalDpi xmlns:a14="http://schemas.microsoft.com/office/drawing/2010/main" val="0"/>
+              </a:ext>
+            </a:extLst>
+          </a:blip>
+          <a:srcRect l="17768" t="9463" r="8153" b="1"/>
+          <a:stretch/>
+        </p:blipFill>
+        <p:spPr bwMode="auto">
+          <a:xfrm>
+            <a:off x="8035909" y="1873844"/>
+            <a:ext cx="792782" cy="416464"/>
+          </a:xfrm>
+          <a:prstGeom prst="rect">
+            <a:avLst/>
+          </a:prstGeom>
+          <a:noFill/>
+          <a:extLst>
+            <a:ext uri="{909E8E84-426E-40DD-AFC4-6F175D3DCCD1}">
+              <a14:hiddenFill xmlns:a14="http://schemas.microsoft.com/office/drawing/2010/main">
+                <a:solidFill>
+                  <a:srgbClr val="FFFFFF"/>
+                </a:solidFill>
+              </a14:hiddenFill>
+            </a:ext>
+          </a:extLst>
+        </p:spPr>
+      </p:pic>
+      <p:cxnSp>
+        <p:nvCxnSpPr>
+          <p:cNvPr id="31" name="Elbow Connector 30">
+            <a:extLst>
+              <a:ext uri="{FF2B5EF4-FFF2-40B4-BE49-F238E27FC236}">
+                <a16:creationId xmlns:a16="http://schemas.microsoft.com/office/drawing/2014/main" id="{687AAD36-6CCD-E072-B991-8AB215675D14}"/>
+              </a:ext>
+            </a:extLst>
+          </p:cNvPr>
+          <p:cNvCxnSpPr>
+            <a:cxnSpLocks/>
+          </p:cNvCxnSpPr>
+          <p:nvPr/>
+        </p:nvCxnSpPr>
+        <p:spPr>
+          <a:xfrm rot="5400000">
+            <a:off x="6533544" y="3524146"/>
+            <a:ext cx="2107322" cy="1469985"/>
+          </a:xfrm>
+          <a:prstGeom prst="bentConnector3">
+            <a:avLst>
+              <a:gd name="adj1" fmla="val 99983"/>
+            </a:avLst>
+          </a:prstGeom>
+          <a:ln>
+            <a:tailEnd type="triangle"/>
+          </a:ln>
+        </p:spPr>
+        <p:style>
+          <a:lnRef idx="1">
+            <a:schemeClr val="accent1"/>
+          </a:lnRef>
+          <a:fillRef idx="0">
+            <a:schemeClr val="accent1"/>
+          </a:fillRef>
+          <a:effectRef idx="0">
+            <a:schemeClr val="accent1"/>
+          </a:effectRef>
+          <a:fontRef idx="minor">
+            <a:schemeClr val="tx1"/>
+          </a:fontRef>
+        </p:style>
+      </p:cxnSp>
+      <p:cxnSp>
+        <p:nvCxnSpPr>
+          <p:cNvPr id="36" name="Elbow Connector 35">
+            <a:extLst>
+              <a:ext uri="{FF2B5EF4-FFF2-40B4-BE49-F238E27FC236}">
+                <a16:creationId xmlns:a16="http://schemas.microsoft.com/office/drawing/2014/main" id="{AA2AD444-1B49-9119-0CCA-FCB99BA45349}"/>
+              </a:ext>
+            </a:extLst>
+          </p:cNvPr>
+          <p:cNvCxnSpPr>
+            <a:cxnSpLocks/>
+          </p:cNvCxnSpPr>
+          <p:nvPr/>
+        </p:nvCxnSpPr>
+        <p:spPr>
+          <a:xfrm rot="16200000" flipH="1">
+            <a:off x="8180356" y="3513223"/>
+            <a:ext cx="1226791" cy="638307"/>
+          </a:xfrm>
+          <a:prstGeom prst="bentConnector3">
+            <a:avLst>
+              <a:gd name="adj1" fmla="val 100005"/>
+            </a:avLst>
+          </a:prstGeom>
+          <a:ln>
+            <a:tailEnd type="triangle"/>
+          </a:ln>
+        </p:spPr>
+        <p:style>
+          <a:lnRef idx="1">
+            <a:schemeClr val="accent1"/>
+          </a:lnRef>
+          <a:fillRef idx="0">
+            <a:schemeClr val="accent1"/>
+          </a:fillRef>
+          <a:effectRef idx="0">
+            <a:schemeClr val="accent1"/>
+          </a:effectRef>
+          <a:fontRef idx="minor">
+            <a:schemeClr val="tx1"/>
+          </a:fontRef>
+        </p:style>
+      </p:cxnSp>
+      <p:pic>
+        <p:nvPicPr>
+          <p:cNvPr id="40" name="Picture 6" descr="Amazon QuickSight business Intelligence Services">
+            <a:extLst>
+              <a:ext uri="{FF2B5EF4-FFF2-40B4-BE49-F238E27FC236}">
+                <a16:creationId xmlns:a16="http://schemas.microsoft.com/office/drawing/2014/main" id="{68432994-3018-E750-1382-5DEC90ECFF3F}"/>
+              </a:ext>
+            </a:extLst>
+          </p:cNvPr>
+          <p:cNvPicPr>
+            <a:picLocks noChangeAspect="1" noChangeArrowheads="1"/>
+          </p:cNvPicPr>
+          <p:nvPr/>
+        </p:nvPicPr>
+        <p:blipFill rotWithShape="1">
+          <a:blip r:embed="rId7">
+            <a:extLst>
+              <a:ext uri="{28A0092B-C50C-407E-A947-70E740481C1C}">
+                <a14:useLocalDpi xmlns:a14="http://schemas.microsoft.com/office/drawing/2010/main" val="0"/>
+              </a:ext>
+            </a:extLst>
+          </a:blip>
+          <a:srcRect l="8184" r="43383" b="44714"/>
+          <a:stretch/>
+        </p:blipFill>
+        <p:spPr bwMode="auto">
+          <a:xfrm>
+            <a:off x="9338335" y="3520744"/>
+            <a:ext cx="1028946" cy="940561"/>
+          </a:xfrm>
+          <a:prstGeom prst="rect">
+            <a:avLst/>
+          </a:prstGeom>
+          <a:noFill/>
+          <a:extLst>
+            <a:ext uri="{909E8E84-426E-40DD-AFC4-6F175D3DCCD1}">
+              <a14:hiddenFill xmlns:a14="http://schemas.microsoft.com/office/drawing/2010/main">
+                <a:solidFill>
+                  <a:srgbClr val="FFFFFF"/>
+                </a:solidFill>
+              </a14:hiddenFill>
+            </a:ext>
+          </a:extLst>
+        </p:spPr>
+      </p:pic>
+      <p:pic>
+        <p:nvPicPr>
+          <p:cNvPr id="41" name="Picture 40">
+            <a:extLst>
+              <a:ext uri="{FF2B5EF4-FFF2-40B4-BE49-F238E27FC236}">
+                <a16:creationId xmlns:a16="http://schemas.microsoft.com/office/drawing/2014/main" id="{C210A3E9-E061-019A-0395-9091F7DC9717}"/>
+              </a:ext>
+            </a:extLst>
+          </p:cNvPr>
+          <p:cNvPicPr>
+            <a:picLocks noChangeAspect="1" noChangeArrowheads="1"/>
+          </p:cNvPicPr>
+          <p:nvPr/>
+        </p:nvPicPr>
+        <p:blipFill>
+          <a:blip r:embed="rId8">
+            <a:extLst>
+              <a:ext uri="{28A0092B-C50C-407E-A947-70E740481C1C}">
+                <a14:useLocalDpi xmlns:a14="http://schemas.microsoft.com/office/drawing/2010/main" val="0"/>
+              </a:ext>
+            </a:extLst>
+          </a:blip>
+          <a:srcRect/>
+          <a:stretch>
+            <a:fillRect/>
+          </a:stretch>
+        </p:blipFill>
+        <p:spPr bwMode="auto">
+          <a:xfrm>
+            <a:off x="9329922" y="4762322"/>
+            <a:ext cx="1304555" cy="550477"/>
+          </a:xfrm>
+          <a:prstGeom prst="rect">
+            <a:avLst/>
+          </a:prstGeom>
+          <a:noFill/>
+          <a:extLst>
+            <a:ext uri="{909E8E84-426E-40DD-AFC4-6F175D3DCCD1}">
+              <a14:hiddenFill xmlns:a14="http://schemas.microsoft.com/office/drawing/2010/main">
+                <a:solidFill>
+                  <a:srgbClr val="FFFFFF"/>
+                </a:solidFill>
+              </a14:hiddenFill>
+            </a:ext>
+          </a:extLst>
+        </p:spPr>
+      </p:pic>
+      <p:sp>
+        <p:nvSpPr>
+          <p:cNvPr id="42" name="TextBox 41">
+            <a:extLst>
+              <a:ext uri="{FF2B5EF4-FFF2-40B4-BE49-F238E27FC236}">
+                <a16:creationId xmlns:a16="http://schemas.microsoft.com/office/drawing/2014/main" id="{3D60049A-6BC0-62DF-0548-07669D58DAEE}"/>
+              </a:ext>
+            </a:extLst>
+          </p:cNvPr>
+          <p:cNvSpPr txBox="1"/>
+          <p:nvPr/>
+        </p:nvSpPr>
+        <p:spPr>
+          <a:xfrm>
+            <a:off x="5599928" y="2782797"/>
+            <a:ext cx="679994" cy="369332"/>
+          </a:xfrm>
+          <a:prstGeom prst="rect">
+            <a:avLst/>
+          </a:prstGeom>
+          <a:noFill/>
+        </p:spPr>
+        <p:txBody>
+          <a:bodyPr wrap="none" rtlCol="0">
+            <a:spAutoFit/>
+          </a:bodyPr>
+          <a:lstStyle/>
+          <a:p>
+            <a:r>
+              <a:rPr lang="en-US" dirty="0"/>
+              <a:t>input</a:t>
+            </a:r>
+          </a:p>
+        </p:txBody>
+      </p:sp>
+      <p:sp>
+        <p:nvSpPr>
+          <p:cNvPr id="43" name="TextBox 42">
+            <a:extLst>
+              <a:ext uri="{FF2B5EF4-FFF2-40B4-BE49-F238E27FC236}">
+                <a16:creationId xmlns:a16="http://schemas.microsoft.com/office/drawing/2014/main" id="{FA236C25-EC28-BBD2-865C-D84B8CE8F97B}"/>
+              </a:ext>
+            </a:extLst>
+          </p:cNvPr>
+          <p:cNvSpPr txBox="1"/>
+          <p:nvPr/>
+        </p:nvSpPr>
+        <p:spPr>
+          <a:xfrm>
+            <a:off x="8043185" y="4548274"/>
+            <a:ext cx="825867" cy="369332"/>
+          </a:xfrm>
+          <a:prstGeom prst="rect">
+            <a:avLst/>
+          </a:prstGeom>
+          <a:noFill/>
+        </p:spPr>
+        <p:txBody>
+          <a:bodyPr wrap="none" rtlCol="0">
+            <a:spAutoFit/>
+          </a:bodyPr>
+          <a:lstStyle/>
+          <a:p>
+            <a:r>
+              <a:rPr lang="en-US" dirty="0"/>
+              <a:t>output</a:t>
+            </a:r>
+          </a:p>
+        </p:txBody>
+      </p:sp>
+    </p:spTree>
+    <p:extLst>
+      <p:ext uri="{BB962C8B-B14F-4D97-AF65-F5344CB8AC3E}">
+        <p14:creationId xmlns:p14="http://schemas.microsoft.com/office/powerpoint/2010/main" val="3577179275"/>
+      </p:ext>
+    </p:extLst>
+  </p:cSld>
+  <p:clrMapOvr>
+    <a:masterClrMapping/>
+  </p:clrMapOvr>
+</p:sld>
+</file>
+
 <file path=ppt/slides/slide2.xml><?xml version="1.0" encoding="utf-8"?>
 <p:sld xmlns:a="http://schemas.openxmlformats.org/drawingml/2006/main" xmlns:r="http://schemas.openxmlformats.org/officeDocument/2006/relationships" xmlns:p="http://schemas.openxmlformats.org/presentationml/2006/main">
   <p:cSld>
